--- a/Summary of gCNV validation of the Pediseq cohort.pptx
+++ b/Summary of gCNV validation of the Pediseq cohort.pptx
@@ -3504,7 +3504,7 @@
             </a:r>
             <a:r>
               <a:rPr lang="en-US" dirty="0"/>
-              <a:t> workflow and with 1425 average target exons.</a:t>
+              <a:t> workflow.</a:t>
             </a:r>
           </a:p>
           <a:p>
@@ -3717,7 +3717,7 @@
           <a:p>
             <a:r>
               <a:rPr lang="en-US" dirty="0"/>
-              <a:t>A total od 6029 deletion were found with 10.1 kb mean size.</a:t>
+              <a:t>A total of 6029 deletion were found with 10.1 kb mean size.</a:t>
             </a:r>
           </a:p>
           <a:p>
